--- a/powerpoint/07_方法和全域變數.pptx
+++ b/powerpoint/07_方法和全域變數.pptx
@@ -207,7 +207,7 @@
           <a:p>
             <a:fld id="{794480B5-17B7-4BB5-B867-ABCAFFAE6E3E}" type="datetimeFigureOut">
               <a:rPr lang="zh-TW" altLang="en-US" smtClean="0"/>
-              <a:t>2024/7/30</a:t>
+              <a:t>2024/8/1</a:t>
             </a:fld>
             <a:endParaRPr lang="zh-TW" altLang="en-US"/>
           </a:p>
@@ -8540,8 +8540,8 @@
         </p:nvSpPr>
         <p:spPr>
           <a:xfrm>
-            <a:off x="838200" y="1170624"/>
-            <a:ext cx="10515600" cy="3186224"/>
+            <a:off x="676835" y="1091243"/>
+            <a:ext cx="10851776" cy="3634459"/>
           </a:xfrm>
         </p:spPr>
         <p:txBody>
@@ -8551,7 +8551,7 @@
           <a:lstStyle/>
           <a:p>
             <a:r>
-              <a:rPr lang="zh-TW" altLang="en-US" sz="2400">
+              <a:rPr lang="zh-TW" altLang="en-US">
                 <a:solidFill>
                   <a:srgbClr val="00B0F0"/>
                 </a:solidFill>
@@ -8559,7 +8559,7 @@
               <a:t>全域變數</a:t>
             </a:r>
             <a:r>
-              <a:rPr lang="en-US" altLang="zh-TW" sz="2400">
+              <a:rPr lang="en-US" altLang="zh-TW">
                 <a:solidFill>
                   <a:srgbClr val="00B0F0"/>
                 </a:solidFill>
@@ -8567,7 +8567,7 @@
               <a:t>(global</a:t>
             </a:r>
             <a:r>
-              <a:rPr lang="zh-TW" altLang="en-US" sz="2400">
+              <a:rPr lang="zh-TW" altLang="en-US">
                 <a:solidFill>
                   <a:srgbClr val="00B0F0"/>
                 </a:solidFill>
@@ -8575,7 +8575,7 @@
               <a:t> </a:t>
             </a:r>
             <a:r>
-              <a:rPr lang="en-US" altLang="zh-TW" sz="2400">
+              <a:rPr lang="en-US" altLang="zh-TW">
                 <a:solidFill>
                   <a:srgbClr val="00B0F0"/>
                 </a:solidFill>
@@ -8583,18 +8583,18 @@
               <a:t>variable)</a:t>
             </a:r>
             <a:r>
-              <a:rPr lang="zh-TW" altLang="en-US" sz="2400"/>
+              <a:rPr lang="zh-TW" altLang="en-US"/>
               <a:t>是指</a:t>
             </a:r>
-            <a:endParaRPr lang="en-US" altLang="zh-TW" sz="2400"/>
+            <a:endParaRPr lang="en-US" altLang="zh-TW"/>
           </a:p>
           <a:p>
             <a:r>
-              <a:rPr lang="zh-TW" altLang="en-US" sz="2400"/>
+              <a:rPr lang="zh-TW" altLang="en-US"/>
               <a:t>在所有作用域都可以</a:t>
             </a:r>
             <a:r>
-              <a:rPr lang="zh-TW" altLang="en-US" sz="2400">
+              <a:rPr lang="zh-TW" altLang="en-US">
                 <a:solidFill>
                   <a:srgbClr val="FFC000"/>
                 </a:solidFill>
@@ -8602,7 +8602,7 @@
               <a:t>存取</a:t>
             </a:r>
             <a:r>
-              <a:rPr lang="en-US" altLang="zh-TW" sz="2400">
+              <a:rPr lang="en-US" altLang="zh-TW">
                 <a:solidFill>
                   <a:srgbClr val="FFC000"/>
                 </a:solidFill>
@@ -8610,7 +8610,7 @@
               <a:t>(</a:t>
             </a:r>
             <a:r>
-              <a:rPr lang="zh-TW" altLang="en-US" sz="2400">
+              <a:rPr lang="zh-TW" altLang="en-US">
                 <a:solidFill>
                   <a:srgbClr val="FFC000"/>
                 </a:solidFill>
@@ -8618,7 +8618,7 @@
               <a:t>訪問，</a:t>
             </a:r>
             <a:r>
-              <a:rPr lang="en-US" altLang="zh-TW" sz="2400">
+              <a:rPr lang="en-US" altLang="zh-TW">
                 <a:solidFill>
                   <a:srgbClr val="FFC000"/>
                 </a:solidFill>
@@ -8626,18 +8626,18 @@
               <a:t>access)</a:t>
             </a:r>
             <a:r>
-              <a:rPr lang="zh-TW" altLang="en-US" sz="2400"/>
+              <a:rPr lang="zh-TW" altLang="en-US"/>
               <a:t>的</a:t>
             </a:r>
             <a:r>
-              <a:rPr lang="zh-TW" altLang="en-US" sz="2400">
+              <a:rPr lang="zh-TW" altLang="en-US">
                 <a:solidFill>
                   <a:srgbClr val="00B0F0"/>
                 </a:solidFill>
               </a:rPr>
               <a:t>變數</a:t>
             </a:r>
-            <a:endParaRPr lang="en-US" altLang="zh-TW" sz="2400">
+            <a:endParaRPr lang="en-US" altLang="zh-TW">
               <a:solidFill>
                 <a:srgbClr val="00B0F0"/>
               </a:solidFill>
@@ -8645,26 +8645,26 @@
           </a:p>
           <a:p>
             <a:r>
-              <a:rPr lang="zh-TW" altLang="en-US" sz="2400"/>
+              <a:rPr lang="zh-TW" altLang="en-US"/>
               <a:t>而同樣的，因為 </a:t>
             </a:r>
             <a:r>
-              <a:rPr lang="en-US" altLang="zh-TW" sz="2400"/>
+              <a:rPr lang="en-US" altLang="zh-TW"/>
               <a:t>Java</a:t>
             </a:r>
             <a:r>
-              <a:rPr lang="zh-TW" altLang="en-US" sz="2400"/>
+              <a:rPr lang="zh-TW" altLang="en-US"/>
               <a:t> 是</a:t>
             </a:r>
             <a:r>
-              <a:rPr lang="zh-TW" altLang="en-US" sz="2400">
+              <a:rPr lang="zh-TW" altLang="en-US">
                 <a:solidFill>
                   <a:srgbClr val="92D050"/>
                 </a:solidFill>
               </a:rPr>
               <a:t>完全物件導向程式語言</a:t>
             </a:r>
-            <a:endParaRPr lang="en-US" altLang="zh-TW" sz="2400">
+            <a:endParaRPr lang="en-US" altLang="zh-TW">
               <a:solidFill>
                 <a:srgbClr val="92D050"/>
               </a:solidFill>
@@ -8672,19 +8672,19 @@
           </a:p>
           <a:p>
             <a:r>
-              <a:rPr lang="zh-TW" altLang="en-US" sz="2400"/>
+              <a:rPr lang="zh-TW" altLang="en-US"/>
               <a:t>所以 </a:t>
             </a:r>
             <a:r>
-              <a:rPr lang="en-US" altLang="zh-TW" sz="2400"/>
+              <a:rPr lang="en-US" altLang="zh-TW"/>
               <a:t>Java </a:t>
             </a:r>
             <a:r>
-              <a:rPr lang="zh-TW" altLang="en-US" sz="2400"/>
+              <a:rPr lang="zh-TW" altLang="en-US"/>
               <a:t>中沒有</a:t>
             </a:r>
             <a:r>
-              <a:rPr lang="zh-TW" altLang="en-US" sz="2400">
+              <a:rPr lang="zh-TW" altLang="en-US">
                 <a:solidFill>
                   <a:srgbClr val="00B0F0"/>
                 </a:solidFill>
@@ -8692,11 +8692,11 @@
               <a:t>全域變數</a:t>
             </a:r>
             <a:r>
-              <a:rPr lang="zh-TW" altLang="en-US" sz="2400"/>
+              <a:rPr lang="zh-TW" altLang="en-US"/>
               <a:t>，但</a:t>
             </a:r>
             <a:r>
-              <a:rPr lang="zh-TW" altLang="en-US" sz="2400">
+              <a:rPr lang="zh-TW" altLang="en-US">
                 <a:solidFill>
                   <a:srgbClr val="00B0F0"/>
                 </a:solidFill>
@@ -8704,7 +8704,7 @@
               <a:t>靜態成員</a:t>
             </a:r>
             <a:r>
-              <a:rPr lang="en-US" altLang="zh-TW" sz="2400">
+              <a:rPr lang="en-US" altLang="zh-TW">
                 <a:solidFill>
                   <a:srgbClr val="00B0F0"/>
                 </a:solidFill>
@@ -8712,14 +8712,14 @@
               <a:t>(member)</a:t>
             </a:r>
             <a:r>
-              <a:rPr lang="zh-TW" altLang="en-US" sz="2400"/>
-              <a:t>有相同效果</a:t>
-            </a:r>
-            <a:endParaRPr lang="en-US" altLang="zh-TW" sz="2400"/>
+              <a:rPr lang="zh-TW" altLang="en-US"/>
+              <a:t>有相同的效果</a:t>
+            </a:r>
+            <a:endParaRPr lang="en-US" altLang="zh-TW"/>
           </a:p>
           <a:p>
             <a:r>
-              <a:rPr lang="zh-TW" altLang="en-US" sz="2400">
+              <a:rPr lang="zh-TW" altLang="en-US">
                 <a:solidFill>
                   <a:srgbClr val="00B0F0"/>
                 </a:solidFill>
@@ -8727,11 +8727,11 @@
               <a:t>成員</a:t>
             </a:r>
             <a:r>
-              <a:rPr lang="zh-TW" altLang="en-US" sz="2400"/>
+              <a:rPr lang="zh-TW" altLang="en-US"/>
               <a:t>是指</a:t>
             </a:r>
             <a:r>
-              <a:rPr lang="zh-TW" altLang="en-US" sz="2400">
+              <a:rPr lang="zh-TW" altLang="en-US">
                 <a:solidFill>
                   <a:srgbClr val="FFC000"/>
                 </a:solidFill>
@@ -8739,11 +8739,11 @@
               <a:t>定義</a:t>
             </a:r>
             <a:r>
-              <a:rPr lang="zh-TW" altLang="en-US" sz="2400"/>
+              <a:rPr lang="zh-TW" altLang="en-US"/>
               <a:t>在</a:t>
             </a:r>
             <a:r>
-              <a:rPr lang="zh-TW" altLang="en-US" sz="2400">
+              <a:rPr lang="zh-TW" altLang="en-US">
                 <a:solidFill>
                   <a:srgbClr val="00B0F0"/>
                 </a:solidFill>
@@ -8751,22 +8751,66 @@
               <a:t>類別</a:t>
             </a:r>
             <a:r>
-              <a:rPr lang="zh-TW" altLang="en-US" sz="2400"/>
+              <a:rPr lang="zh-TW" altLang="en-US"/>
               <a:t>中的</a:t>
             </a:r>
             <a:r>
-              <a:rPr lang="zh-TW" altLang="en-US" sz="2400">
+              <a:rPr lang="zh-TW" altLang="en-US">
                 <a:solidFill>
                   <a:srgbClr val="00B0F0"/>
                 </a:solidFill>
               </a:rPr>
               <a:t>變數</a:t>
             </a:r>
-            <a:endParaRPr lang="en-US" altLang="zh-TW" sz="2400"/>
+            <a:r>
+              <a:rPr lang="zh-TW" altLang="en-US"/>
+              <a:t>，</a:t>
+            </a:r>
+            <a:r>
+              <a:rPr lang="zh-TW" altLang="en-US">
+                <a:solidFill>
+                  <a:srgbClr val="FFC000"/>
+                </a:solidFill>
+              </a:rPr>
+              <a:t>宣告</a:t>
+            </a:r>
+            <a:r>
+              <a:rPr lang="zh-TW" altLang="en-US"/>
+              <a:t>方式與</a:t>
+            </a:r>
+            <a:r>
+              <a:rPr lang="zh-TW" altLang="en-US">
+                <a:solidFill>
+                  <a:srgbClr val="00B0F0"/>
+                </a:solidFill>
+              </a:rPr>
+              <a:t>變數</a:t>
+            </a:r>
+            <a:r>
+              <a:rPr lang="zh-TW" altLang="en-US"/>
+              <a:t>一模一樣</a:t>
+            </a:r>
+            <a:endParaRPr lang="en-US" altLang="zh-TW"/>
           </a:p>
           <a:p>
             <a:r>
-              <a:rPr lang="zh-TW" altLang="en-US" sz="2400">
+              <a:rPr lang="zh-TW" altLang="en-US"/>
+              <a:t>也可以加上 </a:t>
+            </a:r>
+            <a:r>
+              <a:rPr lang="en-US" altLang="zh-TW">
+                <a:solidFill>
+                  <a:srgbClr val="CF8E6D"/>
+                </a:solidFill>
+              </a:rPr>
+              <a:t>final</a:t>
+            </a:r>
+            <a:r>
+              <a:rPr lang="zh-TW" altLang="en-US"/>
+              <a:t>，而</a:t>
+            </a:r>
+            <a:r>
+              <a:rPr lang="zh-TW" altLang="en-US">
                 <a:solidFill>
                   <a:srgbClr val="00B0F0"/>
                 </a:solidFill>
@@ -8774,43 +8818,23 @@
               <a:t>成員</a:t>
             </a:r>
             <a:r>
-              <a:rPr lang="zh-TW" altLang="en-US" sz="2400"/>
-              <a:t>的</a:t>
-            </a:r>
-            <a:r>
-              <a:rPr lang="zh-TW" altLang="en-US" sz="2400">
-                <a:solidFill>
-                  <a:srgbClr val="FFC000"/>
+              <a:rPr lang="zh-TW" altLang="en-US"/>
+              <a:t>還可以加上</a:t>
+            </a:r>
+            <a:r>
+              <a:rPr lang="zh-TW" altLang="en-US">
+                <a:solidFill>
+                  <a:srgbClr val="00B0F0"/>
                 </a:solidFill>
               </a:rPr>
-              <a:t>宣告</a:t>
-            </a:r>
-            <a:r>
-              <a:rPr lang="zh-TW" altLang="en-US" sz="2400"/>
-              <a:t>方式與</a:t>
-            </a:r>
-            <a:r>
-              <a:rPr lang="zh-TW" altLang="en-US" sz="2400">
-                <a:solidFill>
-                  <a:srgbClr val="00B0F0"/>
-                </a:solidFill>
-              </a:rPr>
-              <a:t>變數</a:t>
-            </a:r>
-            <a:r>
-              <a:rPr lang="zh-TW" altLang="en-US" sz="2400"/>
-              <a:t>一模一樣，也可以加上 </a:t>
-            </a:r>
-            <a:r>
-              <a:rPr lang="en-US" altLang="zh-TW" sz="2400">
-                <a:solidFill>
-                  <a:srgbClr val="CF8E6D"/>
-                </a:solidFill>
-              </a:rPr>
-              <a:t>final</a:t>
-            </a:r>
-            <a:r>
-              <a:rPr lang="en-US" altLang="zh-TW" sz="2400">
+              <a:t>存取修飾子</a:t>
+            </a:r>
+            <a:r>
+              <a:rPr lang="zh-TW" altLang="en-US"/>
+              <a:t>和</a:t>
+            </a:r>
+            <a:r>
+              <a:rPr lang="zh-TW" altLang="en-US">
                 <a:solidFill>
                   <a:srgbClr val="00B0F0"/>
                 </a:solidFill>
@@ -8818,80 +8842,50 @@
               <a:t> </a:t>
             </a:r>
             <a:r>
-              <a:rPr lang="zh-TW" altLang="en-US" sz="2400"/>
-              <a:t>變為</a:t>
-            </a:r>
-            <a:r>
-              <a:rPr lang="zh-TW" altLang="en-US" sz="2400">
+              <a:rPr lang="en-US" altLang="zh-TW">
+                <a:solidFill>
+                  <a:srgbClr val="CF8E6D"/>
+                </a:solidFill>
+              </a:rPr>
+              <a:t>static</a:t>
+            </a:r>
+          </a:p>
+          <a:p>
+            <a:r>
+              <a:rPr lang="zh-TW" altLang="en-US" sz="2800">
+                <a:latin typeface="+mj-lt"/>
+              </a:rPr>
+              <a:t>本次只會介紹無</a:t>
+            </a:r>
+            <a:r>
+              <a:rPr lang="zh-TW" altLang="en-US" sz="2800">
                 <a:solidFill>
                   <a:srgbClr val="00B0F0"/>
                 </a:solidFill>
+                <a:latin typeface="+mj-lt"/>
               </a:rPr>
-              <a:t>常數</a:t>
-            </a:r>
-            <a:endParaRPr lang="en-US" altLang="zh-TW" sz="2400">
+              <a:t>存取修飾子</a:t>
+            </a:r>
+            <a:r>
+              <a:rPr lang="zh-TW" altLang="en-US" sz="2800">
+                <a:latin typeface="+mj-lt"/>
+              </a:rPr>
+              <a:t>的</a:t>
+            </a:r>
+            <a:r>
+              <a:rPr lang="zh-TW" altLang="en-US" sz="2800">
+                <a:solidFill>
+                  <a:srgbClr val="00B0F0"/>
+                </a:solidFill>
+                <a:latin typeface="+mj-lt"/>
+              </a:rPr>
+              <a:t>靜態成員</a:t>
+            </a:r>
+            <a:endParaRPr lang="en-US" altLang="zh-TW" sz="2800">
               <a:solidFill>
                 <a:srgbClr val="00B0F0"/>
               </a:solidFill>
-            </a:endParaRPr>
-          </a:p>
-          <a:p>
-            <a:r>
-              <a:rPr lang="zh-TW" altLang="en-US" sz="2400"/>
-              <a:t>而</a:t>
-            </a:r>
-            <a:r>
-              <a:rPr lang="zh-TW" altLang="en-US" sz="2400">
-                <a:solidFill>
-                  <a:srgbClr val="00B0F0"/>
-                </a:solidFill>
-              </a:rPr>
-              <a:t>成員</a:t>
-            </a:r>
-            <a:r>
-              <a:rPr lang="zh-TW" altLang="en-US" sz="2400"/>
-              <a:t>加上</a:t>
-            </a:r>
-            <a:r>
-              <a:rPr lang="zh-TW" altLang="en-US" sz="2400">
-                <a:solidFill>
-                  <a:srgbClr val="00B0F0"/>
-                </a:solidFill>
-              </a:rPr>
-              <a:t> </a:t>
-            </a:r>
-            <a:r>
-              <a:rPr lang="en-US" altLang="zh-TW" sz="2400">
-                <a:solidFill>
-                  <a:srgbClr val="CF8E6D"/>
-                </a:solidFill>
-              </a:rPr>
-              <a:t>static</a:t>
-            </a:r>
-            <a:r>
-              <a:rPr lang="en-US" altLang="zh-TW" sz="2400">
-                <a:solidFill>
-                  <a:srgbClr val="00B0F0"/>
-                </a:solidFill>
-              </a:rPr>
-              <a:t> </a:t>
-            </a:r>
-            <a:r>
-              <a:rPr lang="zh-TW" altLang="en-US" sz="2400"/>
-              <a:t>就變為</a:t>
-            </a:r>
-            <a:r>
-              <a:rPr lang="zh-TW" altLang="en-US" sz="2400">
-                <a:solidFill>
-                  <a:srgbClr val="00B0F0"/>
-                </a:solidFill>
-              </a:rPr>
-              <a:t>靜態成員</a:t>
-            </a:r>
-            <a:endParaRPr lang="en-US" altLang="zh-TW" sz="2400">
-              <a:solidFill>
-                <a:srgbClr val="00B0F0"/>
-              </a:solidFill>
+              <a:latin typeface="+mj-lt"/>
             </a:endParaRPr>
           </a:p>
         </p:txBody>
@@ -8910,10 +8904,10 @@
         </p:nvGrpSpPr>
         <p:grpSpPr>
           <a:xfrm>
-            <a:off x="838199" y="4356848"/>
-            <a:ext cx="10515599" cy="1938992"/>
-            <a:chOff x="838199" y="4356848"/>
-            <a:chExt cx="10515599" cy="1938992"/>
+            <a:off x="5934633" y="4729773"/>
+            <a:ext cx="5593978" cy="1573730"/>
+            <a:chOff x="6095998" y="4541514"/>
+            <a:chExt cx="5593978" cy="1573730"/>
           </a:xfrm>
         </p:grpSpPr>
         <p:sp>
@@ -8932,8 +8926,8 @@
           </p:nvSpPr>
           <p:spPr bwMode="auto">
             <a:xfrm>
-              <a:off x="838199" y="4356848"/>
-              <a:ext cx="10515599" cy="1938992"/>
+              <a:off x="6095998" y="4541514"/>
+              <a:ext cx="5593978" cy="1569660"/>
             </a:xfrm>
             <a:prstGeom prst="rect">
               <a:avLst/>
@@ -8993,7 +8987,7 @@
                 <a:tabLst/>
               </a:pPr>
               <a:r>
-                <a:rPr kumimoji="0" lang="zh-TW" altLang="zh-TW" sz="2000" b="0" i="0" u="none" strike="noStrike" cap="none" normalizeH="0" baseline="0">
+                <a:rPr kumimoji="0" lang="zh-TW" altLang="zh-TW" sz="1600" b="0" i="0" u="none" strike="noStrike" cap="none" normalizeH="0" baseline="0">
                   <a:ln>
                     <a:noFill/>
                   </a:ln>
@@ -9007,7 +9001,7 @@
                 <a:t>class </a:t>
               </a:r>
               <a:r>
-                <a:rPr kumimoji="0" lang="zh-TW" altLang="zh-TW" sz="2000" b="0" i="0" u="none" strike="noStrike" cap="none" normalizeH="0" baseline="0">
+                <a:rPr kumimoji="0" lang="zh-TW" altLang="zh-TW" sz="1600" b="0" i="0" u="none" strike="noStrike" cap="none" normalizeH="0" baseline="0">
                   <a:ln>
                     <a:noFill/>
                   </a:ln>
@@ -9020,7 +9014,7 @@
                 </a:rPr>
                 <a:t>Main {</a:t>
               </a:r>
-              <a:endParaRPr kumimoji="0" lang="en-US" altLang="zh-TW" sz="2000" b="0" i="0" u="none" strike="noStrike" cap="none" normalizeH="0" baseline="0">
+              <a:endParaRPr kumimoji="0" lang="en-US" altLang="zh-TW" sz="1600" b="0" i="0" u="none" strike="noStrike" cap="none" normalizeH="0" baseline="0">
                 <a:ln>
                   <a:noFill/>
                 </a:ln>
@@ -9042,7 +9036,17 @@
                 </a:spcAft>
               </a:pPr>
               <a:r>
-                <a:rPr kumimoji="0" lang="en-US" altLang="zh-TW" sz="2000" b="0" i="0" u="none" strike="noStrike" cap="none" normalizeH="0" baseline="0">
+                <a:rPr lang="en-US" altLang="zh-TW" sz="1600">
+                  <a:solidFill>
+                    <a:srgbClr val="CF8E6D"/>
+                  </a:solidFill>
+                  <a:latin typeface="+mj-lt"/>
+                  <a:ea typeface="微軟正黑體" panose="020B0604030504040204" pitchFamily="34" charset="-120"/>
+                </a:rPr>
+                <a:t>    </a:t>
+              </a:r>
+              <a:r>
+                <a:rPr kumimoji="0" lang="zh-TW" altLang="zh-TW" sz="1600" b="0" i="0" u="none" strike="noStrike" cap="none" normalizeH="0" baseline="0">
                   <a:ln>
                     <a:noFill/>
                   </a:ln>
@@ -9051,12 +9055,40 @@
                   </a:solidFill>
                   <a:effectLst/>
                   <a:latin typeface="+mj-lt"/>
-                  <a:cs typeface="JetBrains Mono" panose="02000009000000000000" pitchFamily="49" charset="0"/>
+                  <a:ea typeface="微軟正黑體" panose="020B0604030504040204" pitchFamily="34" charset="-120"/>
                 </a:rPr>
-                <a:t>    </a:t>
+                <a:t>存取修飾子</a:t>
               </a:r>
               <a:r>
-                <a:rPr kumimoji="0" lang="zh-TW" altLang="zh-TW" sz="2000" b="0" i="0" u="none" strike="noStrike" cap="none" normalizeH="0" baseline="0">
+                <a:rPr kumimoji="0" lang="en-US" altLang="zh-TW" sz="1600" b="0" i="0" u="none" strike="noStrike" cap="none" normalizeH="0" baseline="0">
+                  <a:ln>
+                    <a:noFill/>
+                  </a:ln>
+                  <a:solidFill>
+                    <a:srgbClr val="CF8E6D"/>
+                  </a:solidFill>
+                  <a:effectLst/>
+                  <a:latin typeface="+mj-lt"/>
+                  <a:ea typeface="微軟正黑體" panose="020B0604030504040204" pitchFamily="34" charset="-120"/>
+                </a:rPr>
+                <a:t> final</a:t>
+              </a:r>
+              <a:r>
+                <a:rPr kumimoji="0" lang="zh-TW" altLang="zh-TW" sz="1600" b="0" i="0" u="none" strike="noStrike" cap="none" normalizeH="0" baseline="0">
+                  <a:ln>
+                    <a:noFill/>
+                  </a:ln>
+                  <a:solidFill>
+                    <a:srgbClr val="CF8E6D"/>
+                  </a:solidFill>
+                  <a:effectLst/>
+                  <a:latin typeface="+mj-lt"/>
+                  <a:ea typeface="微軟正黑體" panose="020B0604030504040204" pitchFamily="34" charset="-120"/>
+                </a:rPr>
+                <a:t> </a:t>
+              </a:r>
+              <a:r>
+                <a:rPr kumimoji="0" lang="zh-TW" altLang="zh-TW" sz="1600" b="0" i="0" u="none" strike="noStrike" cap="none" normalizeH="0" baseline="0">
                   <a:ln>
                     <a:noFill/>
                   </a:ln>
@@ -9070,7 +9102,7 @@
                 <a:t>static </a:t>
               </a:r>
               <a:r>
-                <a:rPr kumimoji="0" lang="zh-TW" altLang="zh-TW" sz="2000" b="0" i="0" u="none" strike="noStrike" cap="none" normalizeH="0" baseline="0">
+                <a:rPr kumimoji="0" lang="zh-TW" altLang="zh-TW" sz="1600" b="0" i="0" u="none" strike="noStrike" cap="none" normalizeH="0" baseline="0">
                   <a:ln>
                     <a:noFill/>
                   </a:ln>
@@ -9085,7 +9117,7 @@
                 <a:t>資料型別</a:t>
               </a:r>
               <a:r>
-                <a:rPr kumimoji="0" lang="zh-TW" altLang="zh-TW" sz="2000" b="0" i="0" u="none" strike="noStrike" cap="none" normalizeH="0" baseline="0">
+                <a:rPr kumimoji="0" lang="zh-TW" altLang="zh-TW" sz="1600" b="0" i="0" u="none" strike="noStrike" cap="none" normalizeH="0" baseline="0">
                   <a:ln>
                     <a:noFill/>
                   </a:ln>
@@ -9100,7 +9132,7 @@
                 <a:t> </a:t>
               </a:r>
               <a:r>
-                <a:rPr lang="zh-TW" altLang="zh-TW" sz="2000">
+                <a:rPr lang="zh-TW" altLang="zh-TW" sz="1600">
                   <a:solidFill>
                     <a:srgbClr val="BCBEC4"/>
                   </a:solidFill>
@@ -9111,7 +9143,7 @@
                 <a:t>成員名稱</a:t>
               </a:r>
               <a:r>
-                <a:rPr kumimoji="0" lang="zh-TW" altLang="zh-TW" sz="2000" b="0" i="0" u="none" strike="noStrike" cap="none" normalizeH="0" baseline="0">
+                <a:rPr kumimoji="0" lang="zh-TW" altLang="zh-TW" sz="1600" b="0" i="0" u="none" strike="noStrike" cap="none" normalizeH="0" baseline="0">
                   <a:ln>
                     <a:noFill/>
                   </a:ln>
@@ -9125,7 +9157,7 @@
                 <a:t>;</a:t>
               </a:r>
               <a:br>
-                <a:rPr kumimoji="0" lang="zh-TW" altLang="zh-TW" sz="2000" b="0" i="0" u="none" strike="noStrike" cap="none" normalizeH="0" baseline="0">
+                <a:rPr kumimoji="0" lang="zh-TW" altLang="zh-TW" sz="1600" b="0" i="0" u="none" strike="noStrike" cap="none" normalizeH="0" baseline="0">
                   <a:ln>
                     <a:noFill/>
                   </a:ln>
@@ -9138,7 +9170,7 @@
                 </a:rPr>
               </a:br>
               <a:r>
-                <a:rPr kumimoji="0" lang="en-US" altLang="zh-TW" sz="2000" b="0" i="0" u="none" strike="noStrike" cap="none" normalizeH="0" baseline="0">
+                <a:rPr kumimoji="0" lang="en-US" altLang="zh-TW" sz="1600" b="0" i="0" u="none" strike="noStrike" cap="none" normalizeH="0" baseline="0">
                   <a:ln>
                     <a:noFill/>
                   </a:ln>
@@ -9152,7 +9184,49 @@
                 <a:t>    </a:t>
               </a:r>
               <a:r>
-                <a:rPr kumimoji="0" lang="zh-TW" altLang="zh-TW" sz="2000" b="0" i="0" u="none" strike="noStrike" cap="none" normalizeH="0" baseline="0">
+                <a:rPr kumimoji="0" lang="zh-TW" altLang="zh-TW" sz="1600" b="0" i="0" u="none" strike="noStrike" cap="none" normalizeH="0" baseline="0">
+                  <a:ln>
+                    <a:noFill/>
+                  </a:ln>
+                  <a:solidFill>
+                    <a:srgbClr val="CF8E6D"/>
+                  </a:solidFill>
+                  <a:effectLst/>
+                  <a:latin typeface="+mj-lt"/>
+                  <a:ea typeface="微軟正黑體" panose="020B0604030504040204" pitchFamily="34" charset="-120"/>
+                </a:rPr>
+                <a:t>存取修飾子</a:t>
+              </a:r>
+              <a:r>
+                <a:rPr kumimoji="0" lang="en-US" altLang="zh-TW" sz="1600" b="0" i="0" u="none" strike="noStrike" cap="none" normalizeH="0" baseline="0">
+                  <a:ln>
+                    <a:noFill/>
+                  </a:ln>
+                  <a:solidFill>
+                    <a:srgbClr val="CF8E6D"/>
+                  </a:solidFill>
+                  <a:effectLst/>
+                  <a:latin typeface="+mj-lt"/>
+                  <a:ea typeface="微軟正黑體" panose="020B0604030504040204" pitchFamily="34" charset="-120"/>
+                </a:rPr>
+                <a:t> final</a:t>
+              </a:r>
+              <a:r>
+                <a:rPr kumimoji="0" lang="zh-TW" altLang="zh-TW" sz="1600" b="0" i="0" u="none" strike="noStrike" cap="none" normalizeH="0" baseline="0">
+                  <a:ln>
+                    <a:noFill/>
+                  </a:ln>
+                  <a:solidFill>
+                    <a:srgbClr val="CF8E6D"/>
+                  </a:solidFill>
+                  <a:effectLst/>
+                  <a:latin typeface="+mj-lt"/>
+                  <a:ea typeface="微軟正黑體" panose="020B0604030504040204" pitchFamily="34" charset="-120"/>
+                </a:rPr>
+                <a:t> </a:t>
+              </a:r>
+              <a:r>
+                <a:rPr kumimoji="0" lang="zh-TW" altLang="zh-TW" sz="1600" b="0" i="0" u="none" strike="noStrike" cap="none" normalizeH="0" baseline="0">
                   <a:ln>
                     <a:noFill/>
                   </a:ln>
@@ -9166,7 +9240,7 @@
                 <a:t>static </a:t>
               </a:r>
               <a:r>
-                <a:rPr kumimoji="0" lang="zh-TW" altLang="zh-TW" sz="2000" b="0" i="0" u="none" strike="noStrike" cap="none" normalizeH="0" baseline="0">
+                <a:rPr kumimoji="0" lang="zh-TW" altLang="zh-TW" sz="1600" b="0" i="0" u="none" strike="noStrike" cap="none" normalizeH="0" baseline="0">
                   <a:ln>
                     <a:noFill/>
                   </a:ln>
@@ -9181,7 +9255,7 @@
                 <a:t>資料型別</a:t>
               </a:r>
               <a:r>
-                <a:rPr kumimoji="0" lang="zh-TW" altLang="zh-TW" sz="2000" b="0" i="0" u="none" strike="noStrike" cap="none" normalizeH="0" baseline="0">
+                <a:rPr kumimoji="0" lang="zh-TW" altLang="zh-TW" sz="1600" b="0" i="0" u="none" strike="noStrike" cap="none" normalizeH="0" baseline="0">
                   <a:ln>
                     <a:noFill/>
                   </a:ln>
@@ -9196,7 +9270,7 @@
                 <a:t> </a:t>
               </a:r>
               <a:r>
-                <a:rPr lang="zh-TW" altLang="zh-TW" sz="2000">
+                <a:rPr lang="zh-TW" altLang="zh-TW" sz="1600">
                   <a:solidFill>
                     <a:srgbClr val="BCBEC4"/>
                   </a:solidFill>
@@ -9207,7 +9281,7 @@
                 <a:t>成員名稱 </a:t>
               </a:r>
               <a:r>
-                <a:rPr kumimoji="0" lang="zh-TW" altLang="zh-TW" sz="2000" b="0" i="0" u="none" strike="noStrike" cap="none" normalizeH="0" baseline="0">
+                <a:rPr kumimoji="0" lang="zh-TW" altLang="zh-TW" sz="1600" b="0" i="0" u="none" strike="noStrike" cap="none" normalizeH="0" baseline="0">
                   <a:ln>
                     <a:noFill/>
                   </a:ln>
@@ -9221,7 +9295,7 @@
                 <a:t>= </a:t>
               </a:r>
               <a:r>
-                <a:rPr kumimoji="0" lang="zh-TW" altLang="zh-TW" sz="2000" b="0" i="0" u="none" strike="noStrike" cap="none" normalizeH="0" baseline="0">
+                <a:rPr kumimoji="0" lang="zh-TW" altLang="zh-TW" sz="1600" b="0" i="0" u="none" strike="noStrike" cap="none" normalizeH="0" baseline="0">
                   <a:ln>
                     <a:noFill/>
                   </a:ln>
@@ -9236,7 +9310,7 @@
                 <a:t>值</a:t>
               </a:r>
               <a:r>
-                <a:rPr kumimoji="0" lang="zh-TW" altLang="zh-TW" sz="2000" b="0" i="0" u="none" strike="noStrike" cap="none" normalizeH="0" baseline="0">
+                <a:rPr kumimoji="0" lang="zh-TW" altLang="zh-TW" sz="1600" b="0" i="0" u="none" strike="noStrike" cap="none" normalizeH="0" baseline="0">
                   <a:ln>
                     <a:noFill/>
                   </a:ln>
@@ -9250,7 +9324,7 @@
                 <a:t>;</a:t>
               </a:r>
               <a:br>
-                <a:rPr kumimoji="0" lang="zh-TW" altLang="zh-TW" sz="2000" b="0" i="0" u="none" strike="noStrike" cap="none" normalizeH="0" baseline="0">
+                <a:rPr kumimoji="0" lang="zh-TW" altLang="zh-TW" sz="1600" b="0" i="0" u="none" strike="noStrike" cap="none" normalizeH="0" baseline="0">
                   <a:ln>
                     <a:noFill/>
                   </a:ln>
@@ -9263,7 +9337,7 @@
                 </a:rPr>
               </a:br>
               <a:br>
-                <a:rPr kumimoji="0" lang="zh-TW" altLang="zh-TW" sz="2000" b="0" i="0" u="none" strike="noStrike" cap="none" normalizeH="0" baseline="0">
+                <a:rPr kumimoji="0" lang="zh-TW" altLang="zh-TW" sz="1600" b="0" i="0" u="none" strike="noStrike" cap="none" normalizeH="0" baseline="0">
                   <a:ln>
                     <a:noFill/>
                   </a:ln>
@@ -9276,7 +9350,7 @@
                 </a:rPr>
               </a:br>
               <a:r>
-                <a:rPr kumimoji="0" lang="zh-TW" altLang="zh-TW" sz="2000" b="0" i="0" u="none" strike="noStrike" cap="none" normalizeH="0" baseline="0">
+                <a:rPr kumimoji="0" lang="zh-TW" altLang="zh-TW" sz="1600" b="0" i="0" u="none" strike="noStrike" cap="none" normalizeH="0" baseline="0">
                   <a:ln>
                     <a:noFill/>
                   </a:ln>
@@ -9290,7 +9364,7 @@
                 <a:t>    </a:t>
               </a:r>
               <a:r>
-                <a:rPr kumimoji="0" lang="zh-TW" altLang="zh-TW" sz="2000" b="0" i="0" u="none" strike="noStrike" cap="none" normalizeH="0" baseline="0">
+                <a:rPr kumimoji="0" lang="zh-TW" altLang="zh-TW" sz="1600" b="0" i="0" u="none" strike="noStrike" cap="none" normalizeH="0" baseline="0">
                   <a:ln>
                     <a:noFill/>
                   </a:ln>
@@ -9304,7 +9378,7 @@
                 <a:t>public static void </a:t>
               </a:r>
               <a:r>
-                <a:rPr kumimoji="0" lang="zh-TW" altLang="zh-TW" sz="2000" b="0" i="0" u="none" strike="noStrike" cap="none" normalizeH="0" baseline="0">
+                <a:rPr kumimoji="0" lang="zh-TW" altLang="zh-TW" sz="1600" b="0" i="0" u="none" strike="noStrike" cap="none" normalizeH="0" baseline="0">
                   <a:ln>
                     <a:noFill/>
                   </a:ln>
@@ -9318,7 +9392,7 @@
                 <a:t>main</a:t>
               </a:r>
               <a:r>
-                <a:rPr kumimoji="0" lang="zh-TW" altLang="zh-TW" sz="2000" b="0" i="0" u="none" strike="noStrike" cap="none" normalizeH="0" baseline="0">
+                <a:rPr kumimoji="0" lang="zh-TW" altLang="zh-TW" sz="1600" b="0" i="0" u="none" strike="noStrike" cap="none" normalizeH="0" baseline="0">
                   <a:ln>
                     <a:noFill/>
                   </a:ln>
@@ -9332,7 +9406,7 @@
                 <a:t>(String[] args) {}</a:t>
               </a:r>
               <a:br>
-                <a:rPr kumimoji="0" lang="zh-TW" altLang="zh-TW" sz="2000" b="0" i="0" u="none" strike="noStrike" cap="none" normalizeH="0" baseline="0">
+                <a:rPr kumimoji="0" lang="zh-TW" altLang="zh-TW" sz="1600" b="0" i="0" u="none" strike="noStrike" cap="none" normalizeH="0" baseline="0">
                   <a:ln>
                     <a:noFill/>
                   </a:ln>
@@ -9345,7 +9419,7 @@
                 </a:rPr>
               </a:br>
               <a:r>
-                <a:rPr kumimoji="0" lang="zh-TW" altLang="zh-TW" sz="2000" b="0" i="0" u="none" strike="noStrike" cap="none" normalizeH="0" baseline="0">
+                <a:rPr kumimoji="0" lang="zh-TW" altLang="zh-TW" sz="1600" b="0" i="0" u="none" strike="noStrike" cap="none" normalizeH="0" baseline="0">
                   <a:ln>
                     <a:noFill/>
                   </a:ln>
@@ -9358,7 +9432,7 @@
                 </a:rPr>
                 <a:t>}</a:t>
               </a:r>
-              <a:endParaRPr kumimoji="0" lang="zh-TW" altLang="zh-TW" sz="2000" b="0" i="0" u="none" strike="noStrike" cap="none" normalizeH="0" baseline="0">
+              <a:endParaRPr kumimoji="0" lang="zh-TW" altLang="zh-TW" sz="1600" b="0" i="0" u="none" strike="noStrike" cap="none" normalizeH="0" baseline="0">
                 <a:ln>
                   <a:noFill/>
                 </a:ln>
@@ -9385,8 +9459,8 @@
           </p:nvSpPr>
           <p:spPr>
             <a:xfrm>
-              <a:off x="10720291" y="5957286"/>
-              <a:ext cx="633507" cy="338554"/>
+              <a:off x="11107765" y="5807467"/>
+              <a:ext cx="582211" cy="307777"/>
             </a:xfrm>
             <a:prstGeom prst="rect">
               <a:avLst/>
@@ -9400,17 +9474,512 @@
             <a:lstStyle/>
             <a:p>
               <a:r>
-                <a:rPr lang="en-US" altLang="zh-TW" sz="1600">
+                <a:rPr lang="en-US" altLang="zh-TW" sz="1400">
                   <a:solidFill>
                     <a:schemeClr val="accent3"/>
                   </a:solidFill>
                 </a:rPr>
                 <a:t>java</a:t>
               </a:r>
-              <a:endParaRPr lang="zh-TW" altLang="en-US" sz="1600">
+              <a:endParaRPr lang="zh-TW" altLang="en-US" sz="1400">
                 <a:solidFill>
                   <a:schemeClr val="accent3"/>
                 </a:solidFill>
+              </a:endParaRPr>
+            </a:p>
+          </p:txBody>
+        </p:sp>
+      </p:grpSp>
+      <p:grpSp>
+        <p:nvGrpSpPr>
+          <p:cNvPr id="14" name="群組 13">
+            <a:extLst>
+              <a:ext uri="{FF2B5EF4-FFF2-40B4-BE49-F238E27FC236}">
+                <a16:creationId xmlns:a16="http://schemas.microsoft.com/office/drawing/2014/main" id="{521B2979-E2CA-44C1-9175-D6C2660B8833}"/>
+              </a:ext>
+            </a:extLst>
+          </p:cNvPr>
+          <p:cNvGrpSpPr/>
+          <p:nvPr/>
+        </p:nvGrpSpPr>
+        <p:grpSpPr>
+          <a:xfrm>
+            <a:off x="676836" y="4729773"/>
+            <a:ext cx="5186081" cy="1573731"/>
+            <a:chOff x="4787154" y="4541514"/>
+            <a:chExt cx="5186081" cy="1573731"/>
+          </a:xfrm>
+        </p:grpSpPr>
+        <p:sp>
+          <p:nvSpPr>
+            <p:cNvPr id="15" name="Rectangle 2">
+              <a:extLst>
+                <a:ext uri="{FF2B5EF4-FFF2-40B4-BE49-F238E27FC236}">
+                  <a16:creationId xmlns:a16="http://schemas.microsoft.com/office/drawing/2014/main" id="{ABDF8C21-2B23-44F0-8A7C-B8D5731EFBED}"/>
+                </a:ext>
+              </a:extLst>
+            </p:cNvPr>
+            <p:cNvSpPr>
+              <a:spLocks noChangeArrowheads="1"/>
+            </p:cNvSpPr>
+            <p:nvPr/>
+          </p:nvSpPr>
+          <p:spPr bwMode="auto">
+            <a:xfrm>
+              <a:off x="4787154" y="4541514"/>
+              <a:ext cx="5186081" cy="1569660"/>
+            </a:xfrm>
+            <a:prstGeom prst="rect">
+              <a:avLst/>
+            </a:prstGeom>
+            <a:solidFill>
+              <a:srgbClr val="1E1F22"/>
+            </a:solidFill>
+            <a:ln>
+              <a:noFill/>
+            </a:ln>
+            <a:effectLst/>
+            <a:extLst>
+              <a:ext uri="{91240B29-F687-4F45-9708-019B960494DF}">
+                <a14:hiddenLine xmlns:a14="http://schemas.microsoft.com/office/drawing/2010/main" w="9525">
+                  <a:solidFill>
+                    <a:schemeClr val="tx1"/>
+                  </a:solidFill>
+                  <a:miter lim="800000"/>
+                  <a:headEnd/>
+                  <a:tailEnd/>
+                </a14:hiddenLine>
+              </a:ext>
+              <a:ext uri="{AF507438-7753-43E0-B8FC-AC1667EBCBE1}">
+                <a14:hiddenEffects xmlns:a14="http://schemas.microsoft.com/office/drawing/2010/main">
+                  <a:effectLst>
+                    <a:outerShdw dist="35921" dir="2700000" algn="ctr" rotWithShape="0">
+                      <a:schemeClr val="bg2"/>
+                    </a:outerShdw>
+                  </a:effectLst>
+                </a14:hiddenEffects>
+              </a:ext>
+            </a:extLst>
+          </p:spPr>
+          <p:txBody>
+            <a:bodyPr vert="horz" wrap="square" lIns="91440" tIns="45720" rIns="91440" bIns="45720" numCol="1" anchor="ctr" anchorCtr="0" compatLnSpc="1">
+              <a:prstTxWarp prst="textNoShape">
+                <a:avLst/>
+              </a:prstTxWarp>
+              <a:spAutoFit/>
+            </a:bodyPr>
+            <a:lstStyle/>
+            <a:p>
+              <a:pPr marL="0" marR="0" lvl="0" indent="0" algn="l" defTabSz="914400" rtl="0" eaLnBrk="0" fontAlgn="base" latinLnBrk="0" hangingPunct="0">
+                <a:lnSpc>
+                  <a:spcPct val="100000"/>
+                </a:lnSpc>
+                <a:spcBef>
+                  <a:spcPct val="0"/>
+                </a:spcBef>
+                <a:spcAft>
+                  <a:spcPct val="0"/>
+                </a:spcAft>
+                <a:buClrTx/>
+                <a:buSzTx/>
+                <a:buFontTx/>
+                <a:buNone/>
+                <a:tabLst/>
+              </a:pPr>
+              <a:r>
+                <a:rPr kumimoji="0" lang="zh-TW" altLang="zh-TW" sz="1600" b="0" i="0" u="none" strike="noStrike" cap="none" normalizeH="0" baseline="0">
+                  <a:ln>
+                    <a:noFill/>
+                  </a:ln>
+                  <a:solidFill>
+                    <a:srgbClr val="CF8E6D"/>
+                  </a:solidFill>
+                  <a:effectLst/>
+                  <a:latin typeface="+mj-lt"/>
+                  <a:cs typeface="JetBrains Mono" panose="02000009000000000000" pitchFamily="49" charset="0"/>
+                </a:rPr>
+                <a:t>class </a:t>
+              </a:r>
+              <a:r>
+                <a:rPr kumimoji="0" lang="zh-TW" altLang="zh-TW" sz="1600" b="0" i="0" u="none" strike="noStrike" cap="none" normalizeH="0" baseline="0">
+                  <a:ln>
+                    <a:noFill/>
+                  </a:ln>
+                  <a:solidFill>
+                    <a:srgbClr val="BCBEC4"/>
+                  </a:solidFill>
+                  <a:effectLst/>
+                  <a:latin typeface="+mj-lt"/>
+                  <a:cs typeface="JetBrains Mono" panose="02000009000000000000" pitchFamily="49" charset="0"/>
+                </a:rPr>
+                <a:t>Main {</a:t>
+              </a:r>
+              <a:endParaRPr kumimoji="0" lang="en-US" altLang="zh-TW" sz="1600" b="0" i="0" u="none" strike="noStrike" cap="none" normalizeH="0" baseline="0">
+                <a:ln>
+                  <a:noFill/>
+                </a:ln>
+                <a:solidFill>
+                  <a:srgbClr val="BCBEC4"/>
+                </a:solidFill>
+                <a:effectLst/>
+                <a:latin typeface="+mj-lt"/>
+                <a:cs typeface="JetBrains Mono" panose="02000009000000000000" pitchFamily="49" charset="0"/>
+              </a:endParaRPr>
+            </a:p>
+            <a:p>
+              <a:pPr eaLnBrk="0" fontAlgn="base" hangingPunct="0">
+                <a:spcBef>
+                  <a:spcPct val="0"/>
+                </a:spcBef>
+                <a:spcAft>
+                  <a:spcPct val="0"/>
+                </a:spcAft>
+              </a:pPr>
+              <a:r>
+                <a:rPr kumimoji="0" lang="zh-TW" altLang="en-US" sz="1600" b="0" i="0" u="none" strike="noStrike" cap="none" normalizeH="0" baseline="0">
+                  <a:ln>
+                    <a:noFill/>
+                  </a:ln>
+                  <a:solidFill>
+                    <a:srgbClr val="FFFF00"/>
+                  </a:solidFill>
+                  <a:effectLst/>
+                  <a:latin typeface="+mj-lt"/>
+                  <a:ea typeface="微軟正黑體" panose="020B0604030504040204" pitchFamily="34" charset="-120"/>
+                  <a:cs typeface="JetBrains Mono" panose="02000009000000000000" pitchFamily="49" charset="0"/>
+                </a:rPr>
+                <a:t>    </a:t>
+              </a:r>
+              <a:r>
+                <a:rPr kumimoji="0" lang="zh-TW" altLang="zh-TW" sz="1600" b="0" i="0" u="none" strike="noStrike" cap="none" normalizeH="0" baseline="0">
+                  <a:ln>
+                    <a:noFill/>
+                  </a:ln>
+                  <a:solidFill>
+                    <a:srgbClr val="FFFF00"/>
+                  </a:solidFill>
+                  <a:effectLst/>
+                  <a:latin typeface="+mj-lt"/>
+                  <a:ea typeface="微軟正黑體" panose="020B0604030504040204" pitchFamily="34" charset="-120"/>
+                  <a:cs typeface="JetBrains Mono" panose="02000009000000000000" pitchFamily="49" charset="0"/>
+                </a:rPr>
+                <a:t>資料型別</a:t>
+              </a:r>
+              <a:r>
+                <a:rPr kumimoji="0" lang="zh-TW" altLang="zh-TW" sz="1600" b="0" i="0" u="none" strike="noStrike" cap="none" normalizeH="0" baseline="0">
+                  <a:ln>
+                    <a:noFill/>
+                  </a:ln>
+                  <a:solidFill>
+                    <a:srgbClr val="BCBEC4"/>
+                  </a:solidFill>
+                  <a:effectLst/>
+                  <a:latin typeface="+mj-lt"/>
+                  <a:ea typeface="微軟正黑體" panose="020B0604030504040204" pitchFamily="34" charset="-120"/>
+                  <a:cs typeface="JetBrains Mono" panose="02000009000000000000" pitchFamily="49" charset="0"/>
+                </a:rPr>
+                <a:t> </a:t>
+              </a:r>
+              <a:r>
+                <a:rPr lang="zh-TW" altLang="zh-TW" sz="1600">
+                  <a:solidFill>
+                    <a:srgbClr val="BCBEC4"/>
+                  </a:solidFill>
+                  <a:latin typeface="+mj-lt"/>
+                  <a:ea typeface="微軟正黑體" panose="020B0604030504040204" pitchFamily="34" charset="-120"/>
+                  <a:cs typeface="JetBrains Mono" panose="02000009000000000000" pitchFamily="49" charset="0"/>
+                </a:rPr>
+                <a:t>成員名稱</a:t>
+              </a:r>
+              <a:r>
+                <a:rPr kumimoji="0" lang="zh-TW" altLang="zh-TW" sz="1600" b="0" i="0" u="none" strike="noStrike" cap="none" normalizeH="0" baseline="0">
+                  <a:ln>
+                    <a:noFill/>
+                  </a:ln>
+                  <a:solidFill>
+                    <a:srgbClr val="BCBEC4"/>
+                  </a:solidFill>
+                  <a:effectLst/>
+                  <a:latin typeface="+mj-lt"/>
+                  <a:cs typeface="JetBrains Mono" panose="02000009000000000000" pitchFamily="49" charset="0"/>
+                </a:rPr>
+                <a:t>;</a:t>
+              </a:r>
+              <a:br>
+                <a:rPr kumimoji="0" lang="zh-TW" altLang="zh-TW" sz="1600" b="0" i="0" u="none" strike="noStrike" cap="none" normalizeH="0" baseline="0">
+                  <a:ln>
+                    <a:noFill/>
+                  </a:ln>
+                  <a:solidFill>
+                    <a:srgbClr val="BCBEC4"/>
+                  </a:solidFill>
+                  <a:effectLst/>
+                  <a:latin typeface="+mj-lt"/>
+                  <a:cs typeface="JetBrains Mono" panose="02000009000000000000" pitchFamily="49" charset="0"/>
+                </a:rPr>
+              </a:br>
+              <a:r>
+                <a:rPr kumimoji="0" lang="zh-TW" altLang="en-US" sz="1600" b="0" i="0" u="none" strike="noStrike" cap="none" normalizeH="0" baseline="0">
+                  <a:ln>
+                    <a:noFill/>
+                  </a:ln>
+                  <a:solidFill>
+                    <a:srgbClr val="BCBEC4"/>
+                  </a:solidFill>
+                  <a:effectLst/>
+                  <a:latin typeface="+mj-lt"/>
+                  <a:cs typeface="JetBrains Mono" panose="02000009000000000000" pitchFamily="49" charset="0"/>
+                </a:rPr>
+                <a:t>    </a:t>
+              </a:r>
+              <a:r>
+                <a:rPr kumimoji="0" lang="zh-TW" altLang="zh-TW" sz="1600" b="0" i="0" u="none" strike="noStrike" cap="none" normalizeH="0" baseline="0">
+                  <a:ln>
+                    <a:noFill/>
+                  </a:ln>
+                  <a:solidFill>
+                    <a:srgbClr val="FFFF00"/>
+                  </a:solidFill>
+                  <a:effectLst/>
+                  <a:latin typeface="+mj-lt"/>
+                  <a:ea typeface="微軟正黑體" panose="020B0604030504040204" pitchFamily="34" charset="-120"/>
+                  <a:cs typeface="JetBrains Mono" panose="02000009000000000000" pitchFamily="49" charset="0"/>
+                </a:rPr>
+                <a:t>資料型別</a:t>
+              </a:r>
+              <a:r>
+                <a:rPr kumimoji="0" lang="zh-TW" altLang="zh-TW" sz="1600" b="0" i="0" u="none" strike="noStrike" cap="none" normalizeH="0" baseline="0">
+                  <a:ln>
+                    <a:noFill/>
+                  </a:ln>
+                  <a:solidFill>
+                    <a:srgbClr val="BCBEC4"/>
+                  </a:solidFill>
+                  <a:effectLst/>
+                  <a:latin typeface="+mj-lt"/>
+                  <a:ea typeface="微軟正黑體" panose="020B0604030504040204" pitchFamily="34" charset="-120"/>
+                  <a:cs typeface="JetBrains Mono" panose="02000009000000000000" pitchFamily="49" charset="0"/>
+                </a:rPr>
+                <a:t> </a:t>
+              </a:r>
+              <a:r>
+                <a:rPr lang="zh-TW" altLang="zh-TW" sz="1600">
+                  <a:solidFill>
+                    <a:srgbClr val="BCBEC4"/>
+                  </a:solidFill>
+                  <a:latin typeface="+mj-lt"/>
+                  <a:ea typeface="微軟正黑體" panose="020B0604030504040204" pitchFamily="34" charset="-120"/>
+                  <a:cs typeface="JetBrains Mono" panose="02000009000000000000" pitchFamily="49" charset="0"/>
+                </a:rPr>
+                <a:t>成員名稱 </a:t>
+              </a:r>
+              <a:r>
+                <a:rPr kumimoji="0" lang="zh-TW" altLang="zh-TW" sz="1600" b="0" i="0" u="none" strike="noStrike" cap="none" normalizeH="0" baseline="0">
+                  <a:ln>
+                    <a:noFill/>
+                  </a:ln>
+                  <a:solidFill>
+                    <a:srgbClr val="BCBEC4"/>
+                  </a:solidFill>
+                  <a:effectLst/>
+                  <a:latin typeface="+mj-lt"/>
+                  <a:cs typeface="JetBrains Mono" panose="02000009000000000000" pitchFamily="49" charset="0"/>
+                </a:rPr>
+                <a:t>= </a:t>
+              </a:r>
+              <a:r>
+                <a:rPr kumimoji="0" lang="zh-TW" altLang="zh-TW" sz="1600" b="0" i="0" u="none" strike="noStrike" cap="none" normalizeH="0" baseline="0">
+                  <a:ln>
+                    <a:noFill/>
+                  </a:ln>
+                  <a:solidFill>
+                    <a:srgbClr val="00B0F0"/>
+                  </a:solidFill>
+                  <a:effectLst/>
+                  <a:latin typeface="+mj-lt"/>
+                  <a:ea typeface="微軟正黑體" panose="020B0604030504040204" pitchFamily="34" charset="-120"/>
+                  <a:cs typeface="JetBrains Mono" panose="02000009000000000000" pitchFamily="49" charset="0"/>
+                </a:rPr>
+                <a:t>值</a:t>
+              </a:r>
+              <a:r>
+                <a:rPr kumimoji="0" lang="zh-TW" altLang="zh-TW" sz="1600" b="0" i="0" u="none" strike="noStrike" cap="none" normalizeH="0" baseline="0">
+                  <a:ln>
+                    <a:noFill/>
+                  </a:ln>
+                  <a:solidFill>
+                    <a:srgbClr val="BCBEC4"/>
+                  </a:solidFill>
+                  <a:effectLst/>
+                  <a:latin typeface="+mj-lt"/>
+                  <a:cs typeface="JetBrains Mono" panose="02000009000000000000" pitchFamily="49" charset="0"/>
+                </a:rPr>
+                <a:t>;</a:t>
+              </a:r>
+              <a:br>
+                <a:rPr kumimoji="0" lang="zh-TW" altLang="zh-TW" sz="1600" b="0" i="0" u="none" strike="noStrike" cap="none" normalizeH="0" baseline="0">
+                  <a:ln>
+                    <a:noFill/>
+                  </a:ln>
+                  <a:solidFill>
+                    <a:srgbClr val="BCBEC4"/>
+                  </a:solidFill>
+                  <a:effectLst/>
+                  <a:latin typeface="+mj-lt"/>
+                  <a:cs typeface="JetBrains Mono" panose="02000009000000000000" pitchFamily="49" charset="0"/>
+                </a:rPr>
+              </a:br>
+              <a:br>
+                <a:rPr kumimoji="0" lang="zh-TW" altLang="zh-TW" sz="1600" b="0" i="0" u="none" strike="noStrike" cap="none" normalizeH="0" baseline="0">
+                  <a:ln>
+                    <a:noFill/>
+                  </a:ln>
+                  <a:solidFill>
+                    <a:srgbClr val="BCBEC4"/>
+                  </a:solidFill>
+                  <a:effectLst/>
+                  <a:latin typeface="+mj-lt"/>
+                  <a:cs typeface="JetBrains Mono" panose="02000009000000000000" pitchFamily="49" charset="0"/>
+                </a:rPr>
+              </a:br>
+              <a:r>
+                <a:rPr kumimoji="0" lang="zh-TW" altLang="zh-TW" sz="1600" b="0" i="0" u="none" strike="noStrike" cap="none" normalizeH="0" baseline="0">
+                  <a:ln>
+                    <a:noFill/>
+                  </a:ln>
+                  <a:solidFill>
+                    <a:srgbClr val="BCBEC4"/>
+                  </a:solidFill>
+                  <a:effectLst/>
+                  <a:latin typeface="+mj-lt"/>
+                  <a:cs typeface="JetBrains Mono" panose="02000009000000000000" pitchFamily="49" charset="0"/>
+                </a:rPr>
+                <a:t>    </a:t>
+              </a:r>
+              <a:r>
+                <a:rPr kumimoji="0" lang="zh-TW" altLang="zh-TW" sz="1600" b="0" i="0" u="none" strike="noStrike" cap="none" normalizeH="0" baseline="0">
+                  <a:ln>
+                    <a:noFill/>
+                  </a:ln>
+                  <a:solidFill>
+                    <a:srgbClr val="CF8E6D"/>
+                  </a:solidFill>
+                  <a:effectLst/>
+                  <a:latin typeface="+mj-lt"/>
+                  <a:cs typeface="JetBrains Mono" panose="02000009000000000000" pitchFamily="49" charset="0"/>
+                </a:rPr>
+                <a:t>public static void </a:t>
+              </a:r>
+              <a:r>
+                <a:rPr kumimoji="0" lang="zh-TW" altLang="zh-TW" sz="1600" b="0" i="0" u="none" strike="noStrike" cap="none" normalizeH="0" baseline="0">
+                  <a:ln>
+                    <a:noFill/>
+                  </a:ln>
+                  <a:solidFill>
+                    <a:srgbClr val="56A8F5"/>
+                  </a:solidFill>
+                  <a:effectLst/>
+                  <a:latin typeface="+mj-lt"/>
+                  <a:cs typeface="JetBrains Mono" panose="02000009000000000000" pitchFamily="49" charset="0"/>
+                </a:rPr>
+                <a:t>main</a:t>
+              </a:r>
+              <a:r>
+                <a:rPr kumimoji="0" lang="zh-TW" altLang="zh-TW" sz="1600" b="0" i="0" u="none" strike="noStrike" cap="none" normalizeH="0" baseline="0">
+                  <a:ln>
+                    <a:noFill/>
+                  </a:ln>
+                  <a:solidFill>
+                    <a:srgbClr val="BCBEC4"/>
+                  </a:solidFill>
+                  <a:effectLst/>
+                  <a:latin typeface="+mj-lt"/>
+                  <a:cs typeface="JetBrains Mono" panose="02000009000000000000" pitchFamily="49" charset="0"/>
+                </a:rPr>
+                <a:t>(String[] args) {}</a:t>
+              </a:r>
+              <a:br>
+                <a:rPr kumimoji="0" lang="zh-TW" altLang="zh-TW" sz="1600" b="0" i="0" u="none" strike="noStrike" cap="none" normalizeH="0" baseline="0">
+                  <a:ln>
+                    <a:noFill/>
+                  </a:ln>
+                  <a:solidFill>
+                    <a:srgbClr val="BCBEC4"/>
+                  </a:solidFill>
+                  <a:effectLst/>
+                  <a:latin typeface="+mj-lt"/>
+                  <a:cs typeface="JetBrains Mono" panose="02000009000000000000" pitchFamily="49" charset="0"/>
+                </a:rPr>
+              </a:br>
+              <a:r>
+                <a:rPr kumimoji="0" lang="zh-TW" altLang="zh-TW" sz="1600" b="0" i="0" u="none" strike="noStrike" cap="none" normalizeH="0" baseline="0">
+                  <a:ln>
+                    <a:noFill/>
+                  </a:ln>
+                  <a:solidFill>
+                    <a:srgbClr val="BCBEC4"/>
+                  </a:solidFill>
+                  <a:effectLst/>
+                  <a:latin typeface="+mj-lt"/>
+                  <a:cs typeface="JetBrains Mono" panose="02000009000000000000" pitchFamily="49" charset="0"/>
+                </a:rPr>
+                <a:t>}</a:t>
+              </a:r>
+              <a:endParaRPr kumimoji="0" lang="zh-TW" altLang="zh-TW" sz="1600" b="0" i="0" u="none" strike="noStrike" cap="none" normalizeH="0" baseline="0">
+                <a:ln>
+                  <a:noFill/>
+                </a:ln>
+                <a:solidFill>
+                  <a:schemeClr val="tx1"/>
+                </a:solidFill>
+                <a:effectLst/>
+                <a:latin typeface="+mj-lt"/>
+              </a:endParaRPr>
+            </a:p>
+          </p:txBody>
+        </p:sp>
+        <p:sp>
+          <p:nvSpPr>
+            <p:cNvPr id="16" name="文字方塊 15">
+              <a:extLst>
+                <a:ext uri="{FF2B5EF4-FFF2-40B4-BE49-F238E27FC236}">
+                  <a16:creationId xmlns:a16="http://schemas.microsoft.com/office/drawing/2014/main" id="{BBD2C944-98DB-4B3D-B7E7-7A06BB1C1F9A}"/>
+                </a:ext>
+              </a:extLst>
+            </p:cNvPr>
+            <p:cNvSpPr txBox="1"/>
+            <p:nvPr/>
+          </p:nvSpPr>
+          <p:spPr>
+            <a:xfrm>
+              <a:off x="9391024" y="5807468"/>
+              <a:ext cx="582211" cy="307777"/>
+            </a:xfrm>
+            <a:prstGeom prst="rect">
+              <a:avLst/>
+            </a:prstGeom>
+            <a:noFill/>
+          </p:spPr>
+          <p:txBody>
+            <a:bodyPr wrap="none" rtlCol="0">
+              <a:spAutoFit/>
+            </a:bodyPr>
+            <a:lstStyle/>
+            <a:p>
+              <a:r>
+                <a:rPr lang="en-US" altLang="zh-TW" sz="1400">
+                  <a:solidFill>
+                    <a:schemeClr val="accent3"/>
+                  </a:solidFill>
+                  <a:latin typeface="+mj-lt"/>
+                </a:rPr>
+                <a:t>java</a:t>
+              </a:r>
+              <a:endParaRPr lang="zh-TW" altLang="en-US" sz="1400">
+                <a:solidFill>
+                  <a:schemeClr val="accent3"/>
+                </a:solidFill>
+                <a:latin typeface="+mj-lt"/>
               </a:endParaRPr>
             </a:p>
           </p:txBody>
@@ -9467,8 +10036,8 @@
         </p:nvSpPr>
         <p:spPr>
           <a:xfrm>
-            <a:off x="0" y="0"/>
-            <a:ext cx="5691490" cy="1325563"/>
+            <a:off x="520138" y="0"/>
+            <a:ext cx="5171351" cy="1325563"/>
           </a:xfrm>
         </p:spPr>
         <p:txBody>
@@ -9477,7 +10046,7 @@
           <a:p>
             <a:r>
               <a:rPr lang="zh-TW" altLang="en-US"/>
-              <a:t>全域變數</a:t>
+              <a:t>靜態成員</a:t>
             </a:r>
           </a:p>
         </p:txBody>
@@ -13130,7 +13699,7 @@
               <a:rPr lang="zh-TW" altLang="en-US" sz="2400">
                 <a:latin typeface="+mj-lt"/>
               </a:rPr>
-              <a:t>有三種可以填，或是可以不填</a:t>
+              <a:t>有三種可以填，不填表示預設</a:t>
             </a:r>
             <a:endParaRPr lang="en-US" altLang="zh-TW" sz="2400">
               <a:latin typeface="+mj-lt"/>
@@ -13192,7 +13761,7 @@
               <a:rPr lang="zh-TW" altLang="en-US" sz="2400">
                 <a:latin typeface="+mj-lt"/>
               </a:rPr>
-              <a:t>，可以不填表示是</a:t>
+              <a:t>，不填表示是</a:t>
             </a:r>
             <a:r>
               <a:rPr lang="zh-TW" altLang="en-US" sz="2400">
